--- a/Smart_Farming_Agent.pptx
+++ b/Smart_Farming_Agent.pptx
@@ -5,7 +5,7 @@
     <p:sldMasterId id="2147483712" r:id="rId4"/>
   </p:sldMasterIdLst>
   <p:notesMasterIdLst>
-    <p:notesMasterId r:id="rId24"/>
+    <p:notesMasterId r:id="rId25"/>
   </p:notesMasterIdLst>
   <p:sldIdLst>
     <p:sldId id="256" r:id="rId5"/>
@@ -26,7 +26,8 @@
     <p:sldId id="2146847055" r:id="rId20"/>
     <p:sldId id="2146847059" r:id="rId21"/>
     <p:sldId id="2146847069" r:id="rId22"/>
-    <p:sldId id="259" r:id="rId23"/>
+    <p:sldId id="2146847074" r:id="rId23"/>
+    <p:sldId id="259" r:id="rId24"/>
   </p:sldIdLst>
   <p:sldSz cx="12192000" cy="6858000"/>
   <p:notesSz cx="6858000" cy="9144000"/>
@@ -225,7 +226,7 @@
           <a:p>
             <a:fld id="{46256A78-79A6-408F-8148-4F87BB81602D}" type="datetimeFigureOut">
               <a:rPr lang="en-IN" smtClean="0"/>
-              <a:t>02-08-2025</a:t>
+              <a:t>04-08-2025</a:t>
             </a:fld>
             <a:endParaRPr lang="en-IN"/>
           </a:p>
@@ -729,7 +730,7 @@
           <a:p>
             <a:fld id="{ED291B17-9318-49DB-B28B-6E5994AE9581}" type="datetime1">
               <a:rPr lang="en-US" smtClean="0"/>
-              <a:t>8/2/2025</a:t>
+              <a:t>8/4/2025</a:t>
             </a:fld>
             <a:endParaRPr lang="en-US"/>
           </a:p>
@@ -938,7 +939,7 @@
           <a:p>
             <a:fld id="{2CED4963-E985-44C4-B8C4-FDD613B7C2F8}" type="datetime1">
               <a:rPr lang="en-US" smtClean="0"/>
-              <a:t>8/2/2025</a:t>
+              <a:t>8/4/2025</a:t>
             </a:fld>
             <a:endParaRPr lang="en-US"/>
           </a:p>
@@ -1306,7 +1307,7 @@
           <a:p>
             <a:fld id="{ED291B17-9318-49DB-B28B-6E5994AE9581}" type="datetime1">
               <a:rPr lang="en-US" smtClean="0"/>
-              <a:t>8/2/2025</a:t>
+              <a:t>8/4/2025</a:t>
             </a:fld>
             <a:endParaRPr lang="en-US"/>
           </a:p>
@@ -1510,7 +1511,7 @@
           <a:p>
             <a:fld id="{78DD82B9-B8EE-4375-B6FF-88FA6ABB15D9}" type="datetime1">
               <a:rPr lang="en-US" smtClean="0"/>
-              <a:t>8/2/2025</a:t>
+              <a:t>8/4/2025</a:t>
             </a:fld>
             <a:endParaRPr lang="en-US"/>
           </a:p>
@@ -1767,7 +1768,7 @@
           <a:p>
             <a:fld id="{B2497495-0637-405E-AE64-5CC7506D51F5}" type="datetime1">
               <a:rPr lang="en-US" smtClean="0"/>
-              <a:t>8/2/2025</a:t>
+              <a:t>8/4/2025</a:t>
             </a:fld>
             <a:endParaRPr lang="en-US"/>
           </a:p>
@@ -2025,7 +2026,7 @@
           <a:p>
             <a:fld id="{7BFFD690-9426-415D-8B65-26881E07B2D4}" type="datetime1">
               <a:rPr lang="en-US" smtClean="0"/>
-              <a:t>8/2/2025</a:t>
+              <a:t>8/4/2025</a:t>
             </a:fld>
             <a:endParaRPr lang="en-US"/>
           </a:p>
@@ -2452,7 +2453,7 @@
           <a:p>
             <a:fld id="{04C4989A-474C-40DE-95B9-011C28B71673}" type="datetime1">
               <a:rPr lang="en-US" smtClean="0"/>
-              <a:t>8/2/2025</a:t>
+              <a:t>8/4/2025</a:t>
             </a:fld>
             <a:endParaRPr lang="en-US"/>
           </a:p>
@@ -2582,7 +2583,7 @@
           <a:p>
             <a:fld id="{5DB4ED54-5B5E-4A04-93D3-5772E3CE3818}" type="datetime1">
               <a:rPr lang="en-US" smtClean="0"/>
-              <a:t>8/2/2025</a:t>
+              <a:t>8/4/2025</a:t>
             </a:fld>
             <a:endParaRPr lang="en-US"/>
           </a:p>
@@ -2685,7 +2686,7 @@
           <a:p>
             <a:fld id="{4EDE50D6-574B-40AF-946F-D52A04ADE379}" type="datetime1">
               <a:rPr lang="en-US" smtClean="0"/>
-              <a:t>8/2/2025</a:t>
+              <a:t>8/4/2025</a:t>
             </a:fld>
             <a:endParaRPr lang="en-US"/>
           </a:p>
@@ -3068,7 +3069,7 @@
           <a:p>
             <a:fld id="{D82884F1-FFEA-405F-9602-3DCA865EDA4E}" type="datetime1">
               <a:rPr lang="en-US" smtClean="0"/>
-              <a:t>8/2/2025</a:t>
+              <a:t>8/4/2025</a:t>
             </a:fld>
             <a:endParaRPr lang="en-US"/>
           </a:p>
@@ -3362,7 +3363,7 @@
           <a:p>
             <a:fld id="{7E18DB4A-8810-4A10-AD5C-D5E2C667F5B3}" type="datetime1">
               <a:rPr lang="en-US" smtClean="0"/>
-              <a:t>8/2/2025</a:t>
+              <a:t>8/4/2025</a:t>
             </a:fld>
             <a:endParaRPr lang="en-US"/>
           </a:p>
@@ -3583,7 +3584,7 @@
           <a:p>
             <a:fld id="{ED291B17-9318-49DB-B28B-6E5994AE9581}" type="datetime1">
               <a:rPr lang="en-US" smtClean="0"/>
-              <a:t>8/2/2025</a:t>
+              <a:t>8/4/2025</a:t>
             </a:fld>
             <a:endParaRPr lang="en-US"/>
           </a:p>
@@ -4231,30 +4232,23 @@
         </p:spPr>
         <p:txBody>
           <a:bodyPr>
-            <a:normAutofit fontScale="90000"/>
+            <a:normAutofit/>
           </a:bodyPr>
           <a:lstStyle/>
           <a:p>
             <a:pPr algn="ctr"/>
             <a:r>
-              <a:rPr lang="en-US" dirty="0">
+              <a:rPr lang="en-US" b="1" dirty="0">
                 <a:solidFill>
                   <a:schemeClr val="accent1">
                     <a:lumMod val="75000"/>
                   </a:schemeClr>
                 </a:solidFill>
+                <a:latin typeface="Arial" panose="020B0604020202020204" pitchFamily="34" charset="0"/>
+                <a:cs typeface="Arial" panose="020B0604020202020204" pitchFamily="34" charset="0"/>
               </a:rPr>
-              <a:t>RAG-Powered AI Agent for Personalized Farmer Guidance</a:t>
-            </a:r>
-            <a:endParaRPr lang="en-US" b="1" dirty="0">
-              <a:solidFill>
-                <a:schemeClr val="accent1">
-                  <a:lumMod val="75000"/>
-                </a:schemeClr>
-              </a:solidFill>
-              <a:latin typeface="Arial" panose="020B0604020202020204" pitchFamily="34" charset="0"/>
-              <a:cs typeface="Arial" panose="020B0604020202020204" pitchFamily="34" charset="0"/>
-            </a:endParaRPr>
+              <a:t>Smart Farming Agent</a:t>
+            </a:r>
           </a:p>
         </p:txBody>
       </p:sp>
@@ -5894,10 +5888,10 @@
       </p:grpSpPr>
       <p:sp>
         <p:nvSpPr>
-          <p:cNvPr id="5" name="Title 4">
+          <p:cNvPr id="2" name="Title 1">
             <a:extLst>
               <a:ext uri="{FF2B5EF4-FFF2-40B4-BE49-F238E27FC236}">
-                <a16:creationId xmlns:a16="http://schemas.microsoft.com/office/drawing/2014/main" id="{8BE4CA82-64EC-4D4E-A5E5-3EBB66E7B24C}"/>
+                <a16:creationId xmlns:a16="http://schemas.microsoft.com/office/drawing/2014/main" id="{EAD4B81F-07EB-A14C-DD3D-476F453FBC47}"/>
               </a:ext>
             </a:extLst>
           </p:cNvPr>
@@ -5908,34 +5902,74 @@
             <p:ph type="title"/>
           </p:nvPr>
         </p:nvSpPr>
-        <p:spPr>
-          <a:xfrm>
-            <a:off x="1463041" y="2766218"/>
-            <a:ext cx="9298744" cy="1325563"/>
-          </a:xfrm>
-        </p:spPr>
+        <p:spPr/>
         <p:txBody>
           <a:bodyPr/>
           <a:lstStyle/>
           <a:p>
-            <a:pPr algn="ctr"/>
-            <a:r>
-              <a:rPr lang="en-US" b="1">
-                <a:solidFill>
-                  <a:srgbClr val="002060"/>
-                </a:solidFill>
-                <a:latin typeface="Arial" panose="020B0604020202020204" pitchFamily="34" charset="0"/>
-                <a:cs typeface="Arial" panose="020B0604020202020204" pitchFamily="34" charset="0"/>
+            <a:r>
+              <a:rPr lang="en-US" dirty="0">
+                <a:solidFill>
+                  <a:schemeClr val="accent1">
+                    <a:lumMod val="75000"/>
+                  </a:schemeClr>
+                </a:solidFill>
               </a:rPr>
-              <a:t>THANK YOU</a:t>
-            </a:r>
+              <a:t>GitHub link</a:t>
+            </a:r>
+            <a:endParaRPr lang="en-IN" dirty="0">
+              <a:solidFill>
+                <a:schemeClr val="accent1">
+                  <a:lumMod val="75000"/>
+                </a:schemeClr>
+              </a:solidFill>
+            </a:endParaRPr>
+          </a:p>
+        </p:txBody>
+      </p:sp>
+      <p:sp>
+        <p:nvSpPr>
+          <p:cNvPr id="3" name="Content Placeholder 2">
+            <a:extLst>
+              <a:ext uri="{FF2B5EF4-FFF2-40B4-BE49-F238E27FC236}">
+                <a16:creationId xmlns:a16="http://schemas.microsoft.com/office/drawing/2014/main" id="{9B0C12FC-C6FC-6713-16A5-DCC15C787994}"/>
+              </a:ext>
+            </a:extLst>
+          </p:cNvPr>
+          <p:cNvSpPr>
+            <a:spLocks noGrp="1"/>
+          </p:cNvSpPr>
+          <p:nvPr>
+            <p:ph idx="1"/>
+          </p:nvPr>
+        </p:nvSpPr>
+        <p:spPr/>
+        <p:txBody>
+          <a:bodyPr/>
+          <a:lstStyle/>
+          <a:p>
+            <a:r>
+              <a:rPr lang="en-US" dirty="0" err="1"/>
+              <a:t>Github</a:t>
+            </a:r>
+            <a:r>
+              <a:rPr lang="en-US" dirty="0"/>
+              <a:t> Link :  </a:t>
+            </a:r>
+            <a:r>
+              <a:rPr lang="en-US" dirty="0">
+                <a:hlinkClick r:id="rId2"/>
+              </a:rPr>
+              <a:t>https://github.com/masoom58/Smart_Farming_Agent</a:t>
+            </a:r>
+            <a:endParaRPr lang="en-IN" dirty="0"/>
           </a:p>
         </p:txBody>
       </p:sp>
     </p:spTree>
     <p:extLst>
       <p:ext uri="{BB962C8B-B14F-4D97-AF65-F5344CB8AC3E}">
-        <p14:creationId xmlns:p14="http://schemas.microsoft.com/office/powerpoint/2010/main" val="4066255318"/>
+        <p14:creationId xmlns:p14="http://schemas.microsoft.com/office/powerpoint/2010/main" val="2838699462"/>
       </p:ext>
     </p:extLst>
   </p:cSld>
@@ -6166,6 +6200,76 @@
     <p:extLst>
       <p:ext uri="{BB962C8B-B14F-4D97-AF65-F5344CB8AC3E}">
         <p14:creationId xmlns:p14="http://schemas.microsoft.com/office/powerpoint/2010/main" val="2900153716"/>
+      </p:ext>
+    </p:extLst>
+  </p:cSld>
+  <p:clrMapOvr>
+    <a:masterClrMapping/>
+  </p:clrMapOvr>
+</p:sld>
+</file>
+
+<file path=ppt/slides/slide20.xml><?xml version="1.0" encoding="utf-8"?>
+<p:sld xmlns:a="http://schemas.openxmlformats.org/drawingml/2006/main" xmlns:r="http://schemas.openxmlformats.org/officeDocument/2006/relationships" xmlns:p="http://schemas.openxmlformats.org/presentationml/2006/main">
+  <p:cSld>
+    <p:spTree>
+      <p:nvGrpSpPr>
+        <p:cNvPr id="1" name=""/>
+        <p:cNvGrpSpPr/>
+        <p:nvPr/>
+      </p:nvGrpSpPr>
+      <p:grpSpPr>
+        <a:xfrm>
+          <a:off x="0" y="0"/>
+          <a:ext cx="0" cy="0"/>
+          <a:chOff x="0" y="0"/>
+          <a:chExt cx="0" cy="0"/>
+        </a:xfrm>
+      </p:grpSpPr>
+      <p:sp>
+        <p:nvSpPr>
+          <p:cNvPr id="5" name="Title 4">
+            <a:extLst>
+              <a:ext uri="{FF2B5EF4-FFF2-40B4-BE49-F238E27FC236}">
+                <a16:creationId xmlns:a16="http://schemas.microsoft.com/office/drawing/2014/main" id="{8BE4CA82-64EC-4D4E-A5E5-3EBB66E7B24C}"/>
+              </a:ext>
+            </a:extLst>
+          </p:cNvPr>
+          <p:cNvSpPr>
+            <a:spLocks noGrp="1"/>
+          </p:cNvSpPr>
+          <p:nvPr>
+            <p:ph type="title"/>
+          </p:nvPr>
+        </p:nvSpPr>
+        <p:spPr>
+          <a:xfrm>
+            <a:off x="1463041" y="2766218"/>
+            <a:ext cx="9298744" cy="1325563"/>
+          </a:xfrm>
+        </p:spPr>
+        <p:txBody>
+          <a:bodyPr/>
+          <a:lstStyle/>
+          <a:p>
+            <a:pPr algn="ctr"/>
+            <a:r>
+              <a:rPr lang="en-US" b="1">
+                <a:solidFill>
+                  <a:srgbClr val="002060"/>
+                </a:solidFill>
+                <a:latin typeface="Arial" panose="020B0604020202020204" pitchFamily="34" charset="0"/>
+                <a:cs typeface="Arial" panose="020B0604020202020204" pitchFamily="34" charset="0"/>
+              </a:rPr>
+              <a:t>THANK YOU</a:t>
+            </a:r>
+          </a:p>
+        </p:txBody>
+      </p:sp>
+    </p:spTree>
+    <p:extLst>
+      <p:ext uri="{BB962C8B-B14F-4D97-AF65-F5344CB8AC3E}">
+        <p14:creationId xmlns:p14="http://schemas.microsoft.com/office/powerpoint/2010/main" val="4066255318"/>
       </p:ext>
     </p:extLst>
   </p:cSld>
@@ -7716,15 +7820,6 @@
 </file>
 
 <file path=customXml/item1.xml><?xml version="1.0" encoding="utf-8"?>
-<?mso-contentType ?>
-<FormTemplates xmlns="http://schemas.microsoft.com/sharepoint/v3/contenttype/forms">
-  <Display>DocumentLibraryForm</Display>
-  <Edit>DocumentLibraryForm</Edit>
-  <New>DocumentLibraryForm</New>
-</FormTemplates>
-</file>
-
-<file path=customXml/item2.xml><?xml version="1.0" encoding="utf-8"?>
 <p:properties xmlns:p="http://schemas.microsoft.com/office/2006/metadata/properties" xmlns:xsi="http://www.w3.org/2001/XMLSchema-instance" xmlns:pc="http://schemas.microsoft.com/office/infopath/2007/PartnerControls">
   <documentManagement>
     <_activity xmlns="b30265f8-c5e2-4918-b4a1-b977299ca3e2" xsi:nil="true"/>
@@ -7732,7 +7827,7 @@
 </p:properties>
 </file>
 
-<file path=customXml/item3.xml><?xml version="1.0" encoding="utf-8"?>
+<file path=customXml/item2.xml><?xml version="1.0" encoding="utf-8"?>
 <ct:contentTypeSchema xmlns:ct="http://schemas.microsoft.com/office/2006/metadata/contentType" xmlns:ma="http://schemas.microsoft.com/office/2006/metadata/properties/metaAttributes" ct:_="" ma:_="" ma:contentTypeName="Document" ma:contentTypeID="0x0101007F0268AC5E70984D8FE60B7154176407" ma:contentTypeVersion="15" ma:contentTypeDescription="Create a new document." ma:contentTypeScope="" ma:versionID="104e359103f0f57b1cf9676756e5b944">
   <xsd:schema xmlns:xsd="http://www.w3.org/2001/XMLSchema" xmlns:xs="http://www.w3.org/2001/XMLSchema" xmlns:p="http://schemas.microsoft.com/office/2006/metadata/properties" xmlns:ns3="b30265f8-c5e2-4918-b4a1-b977299ca3e2" xmlns:ns4="fadb41d3-f9cb-40fb-903c-8cacaba95bb5" targetNamespace="http://schemas.microsoft.com/office/2006/metadata/properties" ma:root="true" ma:fieldsID="5615b8f8aa772998bad551f24a33de0e" ns3:_="" ns4:_="">
     <xsd:import namespace="b30265f8-c5e2-4918-b4a1-b977299ca3e2"/>
@@ -7965,15 +8060,16 @@
 </ct:contentTypeSchema>
 </file>
 
-<file path=customXml/itemProps1.xml><?xml version="1.0" encoding="utf-8"?>
-<ds:datastoreItem xmlns:ds="http://schemas.openxmlformats.org/officeDocument/2006/customXml" ds:itemID="{927BD4C1-B6B1-4715-ABF9-E660A51A4EA0}">
-  <ds:schemaRefs>
-    <ds:schemaRef ds:uri="http://schemas.microsoft.com/sharepoint/v3/contenttype/forms"/>
-  </ds:schemaRefs>
-</ds:datastoreItem>
+<file path=customXml/item3.xml><?xml version="1.0" encoding="utf-8"?>
+<?mso-contentType ?>
+<FormTemplates xmlns="http://schemas.microsoft.com/sharepoint/v3/contenttype/forms">
+  <Display>DocumentLibraryForm</Display>
+  <Edit>DocumentLibraryForm</Edit>
+  <New>DocumentLibraryForm</New>
+</FormTemplates>
 </file>
 
-<file path=customXml/itemProps2.xml><?xml version="1.0" encoding="utf-8"?>
+<file path=customXml/itemProps1.xml><?xml version="1.0" encoding="utf-8"?>
 <ds:datastoreItem xmlns:ds="http://schemas.openxmlformats.org/officeDocument/2006/customXml" ds:itemID="{8D289AE2-D2AE-49D1-AFAC-3A79F6794255}">
   <ds:schemaRefs>
     <ds:schemaRef ds:uri="http://www.w3.org/XML/1998/namespace"/>
@@ -7990,7 +8086,7 @@
 </ds:datastoreItem>
 </file>
 
-<file path=customXml/itemProps3.xml><?xml version="1.0" encoding="utf-8"?>
+<file path=customXml/itemProps2.xml><?xml version="1.0" encoding="utf-8"?>
 <ds:datastoreItem xmlns:ds="http://schemas.openxmlformats.org/officeDocument/2006/customXml" ds:itemID="{9DD71778-17EE-4151-88AE-C8F4E8043BD9}">
   <ds:schemaRefs>
     <ds:schemaRef ds:uri="http://schemas.microsoft.com/office/2006/metadata/contentType"/>
@@ -8007,4 +8103,12 @@
     <ds:schemaRef ds:uri="http://schemas.microsoft.com/internal/obd"/>
   </ds:schemaRefs>
 </ds:datastoreItem>
+</file>
+
+<file path=customXml/itemProps3.xml><?xml version="1.0" encoding="utf-8"?>
+<ds:datastoreItem xmlns:ds="http://schemas.openxmlformats.org/officeDocument/2006/customXml" ds:itemID="{927BD4C1-B6B1-4715-ABF9-E660A51A4EA0}">
+  <ds:schemaRefs>
+    <ds:schemaRef ds:uri="http://schemas.microsoft.com/sharepoint/v3/contenttype/forms"/>
+  </ds:schemaRefs>
+</ds:datastoreItem>
 </file>